--- a/presentación simposio.pptx
+++ b/presentación simposio.pptx
@@ -144,10 +144,57 @@
   <pc:docChgLst>
     <pc:chgData name="Juan Carlos Vega Rueda" userId="48e0dc5d-06e6-4cc1-8880-4d59f0a8788b" providerId="ADAL" clId="{9A736919-6DE6-41D8-BF7B-996048265AB3}"/>
     <pc:docChg chg="undo custSel addSld delSld modSld delMainMaster">
-      <pc:chgData name="Juan Carlos Vega Rueda" userId="48e0dc5d-06e6-4cc1-8880-4d59f0a8788b" providerId="ADAL" clId="{9A736919-6DE6-41D8-BF7B-996048265AB3}" dt="2024-11-06T15:57:32.882" v="414" actId="1076"/>
+      <pc:chgData name="Juan Carlos Vega Rueda" userId="48e0dc5d-06e6-4cc1-8880-4d59f0a8788b" providerId="ADAL" clId="{9A736919-6DE6-41D8-BF7B-996048265AB3}" dt="2024-11-06T19:00:50.791" v="430" actId="1076"/>
       <pc:docMkLst>
         <pc:docMk/>
       </pc:docMkLst>
+      <pc:sldChg chg="addSp delSp modSp mod">
+        <pc:chgData name="Juan Carlos Vega Rueda" userId="48e0dc5d-06e6-4cc1-8880-4d59f0a8788b" providerId="ADAL" clId="{9A736919-6DE6-41D8-BF7B-996048265AB3}" dt="2024-11-06T19:00:50.791" v="430" actId="1076"/>
+        <pc:sldMkLst>
+          <pc:docMk/>
+          <pc:sldMk cId="1166151945" sldId="258"/>
+        </pc:sldMkLst>
+        <pc:spChg chg="del mod">
+          <ac:chgData name="Juan Carlos Vega Rueda" userId="48e0dc5d-06e6-4cc1-8880-4d59f0a8788b" providerId="ADAL" clId="{9A736919-6DE6-41D8-BF7B-996048265AB3}" dt="2024-11-06T18:57:28.926" v="422" actId="478"/>
+          <ac:spMkLst>
+            <pc:docMk/>
+            <pc:sldMk cId="1166151945" sldId="258"/>
+            <ac:spMk id="6" creationId="{004C8AF1-8148-27EB-1691-CF7CF8182FC7}"/>
+          </ac:spMkLst>
+        </pc:spChg>
+        <pc:spChg chg="add mod">
+          <ac:chgData name="Juan Carlos Vega Rueda" userId="48e0dc5d-06e6-4cc1-8880-4d59f0a8788b" providerId="ADAL" clId="{9A736919-6DE6-41D8-BF7B-996048265AB3}" dt="2024-11-06T18:57:44.795" v="429" actId="1076"/>
+          <ac:spMkLst>
+            <pc:docMk/>
+            <pc:sldMk cId="1166151945" sldId="258"/>
+            <ac:spMk id="9" creationId="{85DB70B0-AFC6-D8A5-4757-DE1070E5AB9B}"/>
+          </ac:spMkLst>
+        </pc:spChg>
+        <pc:picChg chg="del">
+          <ac:chgData name="Juan Carlos Vega Rueda" userId="48e0dc5d-06e6-4cc1-8880-4d59f0a8788b" providerId="ADAL" clId="{9A736919-6DE6-41D8-BF7B-996048265AB3}" dt="2024-11-06T18:57:13.438" v="415" actId="478"/>
+          <ac:picMkLst>
+            <pc:docMk/>
+            <pc:sldMk cId="1166151945" sldId="258"/>
+            <ac:picMk id="4" creationId="{25D80A95-67DD-80E9-C349-7C6B9977B75F}"/>
+          </ac:picMkLst>
+        </pc:picChg>
+        <pc:picChg chg="add mod">
+          <ac:chgData name="Juan Carlos Vega Rueda" userId="48e0dc5d-06e6-4cc1-8880-4d59f0a8788b" providerId="ADAL" clId="{9A736919-6DE6-41D8-BF7B-996048265AB3}" dt="2024-11-06T18:57:25.674" v="420" actId="1076"/>
+          <ac:picMkLst>
+            <pc:docMk/>
+            <pc:sldMk cId="1166151945" sldId="258"/>
+            <ac:picMk id="5" creationId="{5F54D1BC-0F01-0D56-A088-F88F54BC77B0}"/>
+          </ac:picMkLst>
+        </pc:picChg>
+        <pc:picChg chg="mod">
+          <ac:chgData name="Juan Carlos Vega Rueda" userId="48e0dc5d-06e6-4cc1-8880-4d59f0a8788b" providerId="ADAL" clId="{9A736919-6DE6-41D8-BF7B-996048265AB3}" dt="2024-11-06T19:00:50.791" v="430" actId="1076"/>
+          <ac:picMkLst>
+            <pc:docMk/>
+            <pc:sldMk cId="1166151945" sldId="258"/>
+            <ac:picMk id="8" creationId="{97DCF97A-F638-2A8C-FA72-AF0623144962}"/>
+          </ac:picMkLst>
+        </pc:picChg>
+      </pc:sldChg>
       <pc:sldChg chg="modSp mod">
         <pc:chgData name="Juan Carlos Vega Rueda" userId="48e0dc5d-06e6-4cc1-8880-4d59f0a8788b" providerId="ADAL" clId="{9A736919-6DE6-41D8-BF7B-996048265AB3}" dt="2024-11-06T14:44:20.128" v="30" actId="12"/>
         <pc:sldMkLst>
@@ -32172,10 +32219,10 @@
       </p:pic>
       <p:pic>
         <p:nvPicPr>
-          <p:cNvPr id="4" name="Imagen 3">
+          <p:cNvPr id="8" name="Imagen 7">
             <a:extLst>
               <a:ext uri="{FF2B5EF4-FFF2-40B4-BE49-F238E27FC236}">
-                <a16:creationId xmlns:a16="http://schemas.microsoft.com/office/drawing/2014/main" id="{25D80A95-67DD-80E9-C349-7C6B9977B75F}"/>
+                <a16:creationId xmlns:a16="http://schemas.microsoft.com/office/drawing/2014/main" id="{97DCF97A-F638-2A8C-FA72-AF0623144962}"/>
               </a:ext>
             </a:extLst>
           </p:cNvPr>
@@ -32192,72 +32239,7 @@
         </p:blipFill>
         <p:spPr>
           <a:xfrm>
-            <a:off x="3566809" y="1791477"/>
-            <a:ext cx="2758142" cy="3711324"/>
-          </a:xfrm>
-          <a:prstGeom prst="rect">
-            <a:avLst/>
-          </a:prstGeom>
-        </p:spPr>
-      </p:pic>
-      <p:sp>
-        <p:nvSpPr>
-          <p:cNvPr id="6" name="CuadroTexto 5">
-            <a:extLst>
-              <a:ext uri="{FF2B5EF4-FFF2-40B4-BE49-F238E27FC236}">
-                <a16:creationId xmlns:a16="http://schemas.microsoft.com/office/drawing/2014/main" id="{004C8AF1-8148-27EB-1691-CF7CF8182FC7}"/>
-              </a:ext>
-            </a:extLst>
-          </p:cNvPr>
-          <p:cNvSpPr txBox="1"/>
-          <p:nvPr/>
-        </p:nvSpPr>
-        <p:spPr>
-          <a:xfrm>
-            <a:off x="3051988" y="5523668"/>
-            <a:ext cx="3414901" cy="440798"/>
-          </a:xfrm>
-          <a:prstGeom prst="rect">
-            <a:avLst/>
-          </a:prstGeom>
-          <a:noFill/>
-        </p:spPr>
-        <p:txBody>
-          <a:bodyPr wrap="square">
-            <a:spAutoFit/>
-          </a:bodyPr>
-          <a:lstStyle/>
-          <a:p>
-            <a:r>
-              <a:rPr lang="es-CO" sz="1100" dirty="0"/>
-              <a:t>https://www.amnesty.org/es/latest/news/2019/07/the-great-hack-facebook-cambridge-analytica/</a:t>
-            </a:r>
-          </a:p>
-        </p:txBody>
-      </p:sp>
-      <p:pic>
-        <p:nvPicPr>
-          <p:cNvPr id="8" name="Imagen 7">
-            <a:extLst>
-              <a:ext uri="{FF2B5EF4-FFF2-40B4-BE49-F238E27FC236}">
-                <a16:creationId xmlns:a16="http://schemas.microsoft.com/office/drawing/2014/main" id="{97DCF97A-F638-2A8C-FA72-AF0623144962}"/>
-              </a:ext>
-            </a:extLst>
-          </p:cNvPr>
-          <p:cNvPicPr>
-            <a:picLocks noChangeAspect="1"/>
-          </p:cNvPicPr>
-          <p:nvPr/>
-        </p:nvPicPr>
-        <p:blipFill>
-          <a:blip r:embed="rId5"/>
-          <a:stretch>
-            <a:fillRect/>
-          </a:stretch>
-        </p:blipFill>
-        <p:spPr>
-          <a:xfrm>
-            <a:off x="6913643" y="1694242"/>
+            <a:off x="7703498" y="1682809"/>
             <a:ext cx="3515216" cy="3905795"/>
           </a:xfrm>
           <a:prstGeom prst="rect">
@@ -32333,6 +32315,71 @@
               <a:t>Contexto y Motivación</a:t>
             </a:r>
             <a:endParaRPr lang="es-CO" sz="2400" b="1" dirty="0"/>
+          </a:p>
+        </p:txBody>
+      </p:sp>
+      <p:pic>
+        <p:nvPicPr>
+          <p:cNvPr id="5" name="Imagen 4">
+            <a:extLst>
+              <a:ext uri="{FF2B5EF4-FFF2-40B4-BE49-F238E27FC236}">
+                <a16:creationId xmlns:a16="http://schemas.microsoft.com/office/drawing/2014/main" id="{5F54D1BC-0F01-0D56-A088-F88F54BC77B0}"/>
+              </a:ext>
+            </a:extLst>
+          </p:cNvPr>
+          <p:cNvPicPr>
+            <a:picLocks noChangeAspect="1"/>
+          </p:cNvPicPr>
+          <p:nvPr/>
+        </p:nvPicPr>
+        <p:blipFill>
+          <a:blip r:embed="rId5"/>
+          <a:stretch>
+            <a:fillRect/>
+          </a:stretch>
+        </p:blipFill>
+        <p:spPr>
+          <a:xfrm>
+            <a:off x="4060228" y="1720077"/>
+            <a:ext cx="2446599" cy="4146872"/>
+          </a:xfrm>
+          <a:prstGeom prst="rect">
+            <a:avLst/>
+          </a:prstGeom>
+        </p:spPr>
+      </p:pic>
+      <p:sp>
+        <p:nvSpPr>
+          <p:cNvPr id="9" name="CuadroTexto 8">
+            <a:extLst>
+              <a:ext uri="{FF2B5EF4-FFF2-40B4-BE49-F238E27FC236}">
+                <a16:creationId xmlns:a16="http://schemas.microsoft.com/office/drawing/2014/main" id="{85DB70B0-AFC6-D8A5-4757-DE1070E5AB9B}"/>
+              </a:ext>
+            </a:extLst>
+          </p:cNvPr>
+          <p:cNvSpPr txBox="1"/>
+          <p:nvPr/>
+        </p:nvSpPr>
+        <p:spPr>
+          <a:xfrm>
+            <a:off x="725796" y="5588604"/>
+            <a:ext cx="3584229" cy="276999"/>
+          </a:xfrm>
+          <a:prstGeom prst="rect">
+            <a:avLst/>
+          </a:prstGeom>
+          <a:noFill/>
+        </p:spPr>
+        <p:txBody>
+          <a:bodyPr wrap="square">
+            <a:spAutoFit/>
+          </a:bodyPr>
+          <a:lstStyle/>
+          <a:p>
+            <a:r>
+              <a:rPr lang="es-CO" sz="1200" dirty="0"/>
+              <a:t>https://www.bbc.com/mundo/noticias-49093124</a:t>
+            </a:r>
           </a:p>
         </p:txBody>
       </p:sp>

--- a/presentación simposio.pptx
+++ b/presentación simposio.pptx
@@ -144,7 +144,7 @@
   <pc:docChgLst>
     <pc:chgData name="Juan Carlos Vega Rueda" userId="48e0dc5d-06e6-4cc1-8880-4d59f0a8788b" providerId="ADAL" clId="{9A736919-6DE6-41D8-BF7B-996048265AB3}"/>
     <pc:docChg chg="undo custSel addSld delSld modSld delMainMaster">
-      <pc:chgData name="Juan Carlos Vega Rueda" userId="48e0dc5d-06e6-4cc1-8880-4d59f0a8788b" providerId="ADAL" clId="{9A736919-6DE6-41D8-BF7B-996048265AB3}" dt="2024-11-06T19:00:50.791" v="430" actId="1076"/>
+      <pc:chgData name="Juan Carlos Vega Rueda" userId="48e0dc5d-06e6-4cc1-8880-4d59f0a8788b" providerId="ADAL" clId="{9A736919-6DE6-41D8-BF7B-996048265AB3}" dt="2024-11-06T20:39:14.273" v="578" actId="20577"/>
       <pc:docMkLst>
         <pc:docMk/>
       </pc:docMkLst>
@@ -607,6 +607,21 @@
             <pc:docMk/>
             <pc:sldMk cId="2706503015" sldId="270"/>
             <ac:spMk id="5" creationId="{18091EE0-5C95-FA05-6821-A822AC75C210}"/>
+          </ac:spMkLst>
+        </pc:spChg>
+      </pc:sldChg>
+      <pc:sldChg chg="modSp mod">
+        <pc:chgData name="Juan Carlos Vega Rueda" userId="48e0dc5d-06e6-4cc1-8880-4d59f0a8788b" providerId="ADAL" clId="{9A736919-6DE6-41D8-BF7B-996048265AB3}" dt="2024-11-06T20:39:14.273" v="578" actId="20577"/>
+        <pc:sldMkLst>
+          <pc:docMk/>
+          <pc:sldMk cId="2877195454" sldId="273"/>
+        </pc:sldMkLst>
+        <pc:spChg chg="mod">
+          <ac:chgData name="Juan Carlos Vega Rueda" userId="48e0dc5d-06e6-4cc1-8880-4d59f0a8788b" providerId="ADAL" clId="{9A736919-6DE6-41D8-BF7B-996048265AB3}" dt="2024-11-06T20:39:14.273" v="578" actId="20577"/>
+          <ac:spMkLst>
+            <pc:docMk/>
+            <pc:sldMk cId="2877195454" sldId="273"/>
+            <ac:spMk id="3" creationId="{3ECC9BDB-AD12-308B-4132-646CAD3FF583}"/>
           </ac:spMkLst>
         </pc:spChg>
       </pc:sldChg>
@@ -9070,8 +9085,8 @@
         </p:nvSpPr>
         <p:spPr bwMode="auto">
           <a:xfrm>
-            <a:off x="1035989" y="2567809"/>
-            <a:ext cx="10120022" cy="2308324"/>
+            <a:off x="1035989" y="2844809"/>
+            <a:ext cx="10120022" cy="1754326"/>
           </a:xfrm>
           <a:prstGeom prst="rect">
             <a:avLst/>
@@ -9113,8 +9128,6 @@
               </a:spcAft>
               <a:buClrTx/>
               <a:buSzTx/>
-              <a:buFontTx/>
-              <a:buChar char="•"/>
               <a:tabLst/>
             </a:pPr>
             <a:r>
@@ -9128,7 +9141,20 @@
                 <a:effectLst/>
                 <a:latin typeface="Arial" panose="020B0604020202020204" pitchFamily="34" charset="0"/>
               </a:rPr>
-              <a:t>Modelos Supervisados</a:t>
+              <a:t>NLP y Deep </a:t>
+            </a:r>
+            <a:r>
+              <a:rPr kumimoji="0" lang="es-CO" altLang="es-CO" sz="1800" b="1" i="0" u="none" strike="noStrike" cap="none" normalizeH="0" baseline="0" dirty="0" err="1">
+                <a:ln>
+                  <a:noFill/>
+                </a:ln>
+                <a:solidFill>
+                  <a:schemeClr val="tx1"/>
+                </a:solidFill>
+                <a:effectLst/>
+                <a:latin typeface="Arial" panose="020B0604020202020204" pitchFamily="34" charset="0"/>
+              </a:rPr>
+              <a:t>Learning</a:t>
             </a:r>
             <a:r>
               <a:rPr kumimoji="0" lang="es-CO" altLang="es-CO" sz="1800" b="0" i="0" u="none" strike="noStrike" cap="none" normalizeH="0" baseline="0" dirty="0">
@@ -9160,87 +9186,22 @@
               <a:tabLst/>
             </a:pPr>
             <a:r>
-              <a:rPr kumimoji="0" lang="es-CO" altLang="es-CO" sz="1800" b="0" i="0" u="none" strike="noStrike" cap="none" normalizeH="0" baseline="0" dirty="0">
-                <a:ln>
-                  <a:noFill/>
-                </a:ln>
+              <a:rPr lang="es-CO" altLang="es-CO">
                 <a:solidFill>
                   <a:schemeClr val="tx1"/>
                 </a:solidFill>
-                <a:effectLst/>
                 <a:latin typeface="Arial" panose="020B0604020202020204" pitchFamily="34" charset="0"/>
               </a:rPr>
-              <a:t>Clasificación de proyectos por riesgo ético (alto, medio, bajo) con algoritmos como </a:t>
-            </a:r>
-            <a:r>
-              <a:rPr kumimoji="0" lang="es-CO" altLang="es-CO" sz="1800" b="0" i="0" u="none" strike="noStrike" cap="none" normalizeH="0" baseline="0" dirty="0" err="1">
-                <a:ln>
-                  <a:noFill/>
-                </a:ln>
+              <a:t>Modelos </a:t>
+            </a:r>
+            <a:r>
+              <a:rPr lang="es-CO" altLang="es-CO" dirty="0">
                 <a:solidFill>
                   <a:schemeClr val="tx1"/>
                 </a:solidFill>
-                <a:effectLst/>
                 <a:latin typeface="Arial" panose="020B0604020202020204" pitchFamily="34" charset="0"/>
               </a:rPr>
-              <a:t>Random</a:t>
-            </a:r>
-            <a:r>
-              <a:rPr kumimoji="0" lang="es-CO" altLang="es-CO" sz="1800" b="0" i="0" u="none" strike="noStrike" cap="none" normalizeH="0" baseline="0" dirty="0">
-                <a:ln>
-                  <a:noFill/>
-                </a:ln>
-                <a:solidFill>
-                  <a:schemeClr val="tx1"/>
-                </a:solidFill>
-                <a:effectLst/>
-                <a:latin typeface="Arial" panose="020B0604020202020204" pitchFamily="34" charset="0"/>
-              </a:rPr>
-              <a:t> Forest, SVM, y Redes Neuronales.</a:t>
-            </a:r>
-          </a:p>
-          <a:p>
-            <a:pPr marL="0" marR="0" lvl="0" indent="0" algn="l" defTabSz="914400" rtl="0" eaLnBrk="0" fontAlgn="base" latinLnBrk="0" hangingPunct="0">
-              <a:lnSpc>
-                <a:spcPct val="100000"/>
-              </a:lnSpc>
-              <a:spcBef>
-                <a:spcPct val="0"/>
-              </a:spcBef>
-              <a:spcAft>
-                <a:spcPct val="0"/>
-              </a:spcAft>
-              <a:buClrTx/>
-              <a:buSzTx/>
-              <a:buFontTx/>
-              <a:buChar char="•"/>
-              <a:tabLst/>
-            </a:pPr>
-            <a:r>
-              <a:rPr kumimoji="0" lang="es-CO" altLang="es-CO" sz="1800" b="1" i="0" u="none" strike="noStrike" cap="none" normalizeH="0" baseline="0" dirty="0">
-                <a:ln>
-                  <a:noFill/>
-                </a:ln>
-                <a:solidFill>
-                  <a:schemeClr val="tx1"/>
-                </a:solidFill>
-                <a:effectLst/>
-                <a:latin typeface="Arial" panose="020B0604020202020204" pitchFamily="34" charset="0"/>
-              </a:rPr>
-              <a:t>Modelos No Supervisados</a:t>
-            </a:r>
-            <a:r>
-              <a:rPr kumimoji="0" lang="es-CO" altLang="es-CO" sz="1800" b="0" i="0" u="none" strike="noStrike" cap="none" normalizeH="0" baseline="0" dirty="0">
-                <a:ln>
-                  <a:noFill/>
-                </a:ln>
-                <a:solidFill>
-                  <a:schemeClr val="tx1"/>
-                </a:solidFill>
-                <a:effectLst/>
-                <a:latin typeface="Arial" panose="020B0604020202020204" pitchFamily="34" charset="0"/>
-              </a:rPr>
-              <a:t>: </a:t>
+              <a:t>LDA para identificar tipologías</a:t>
             </a:r>
           </a:p>
           <a:p>
@@ -9259,19 +9220,6 @@
               <a:tabLst/>
             </a:pPr>
             <a:r>
-              <a:rPr kumimoji="0" lang="es-CO" altLang="es-CO" sz="1800" b="0" i="0" u="none" strike="noStrike" cap="none" normalizeH="0" baseline="0" dirty="0" err="1">
-                <a:ln>
-                  <a:noFill/>
-                </a:ln>
-                <a:solidFill>
-                  <a:schemeClr val="tx1"/>
-                </a:solidFill>
-                <a:effectLst/>
-                <a:latin typeface="Arial" panose="020B0604020202020204" pitchFamily="34" charset="0"/>
-              </a:rPr>
-              <a:t>Clustering</a:t>
-            </a:r>
-            <a:r>
               <a:rPr kumimoji="0" lang="es-CO" altLang="es-CO" sz="1800" b="0" i="0" u="none" strike="noStrike" cap="none" normalizeH="0" baseline="0" dirty="0">
                 <a:ln>
                   <a:noFill/>
@@ -9282,116 +9230,7 @@
                 <a:effectLst/>
                 <a:latin typeface="Arial" panose="020B0604020202020204" pitchFamily="34" charset="0"/>
               </a:rPr>
-              <a:t> (</a:t>
-            </a:r>
-            <a:r>
-              <a:rPr kumimoji="0" lang="es-CO" altLang="es-CO" sz="1800" b="0" i="0" u="none" strike="noStrike" cap="none" normalizeH="0" baseline="0" dirty="0" err="1">
-                <a:ln>
-                  <a:noFill/>
-                </a:ln>
-                <a:solidFill>
-                  <a:schemeClr val="tx1"/>
-                </a:solidFill>
-                <a:effectLst/>
-                <a:latin typeface="Arial" panose="020B0604020202020204" pitchFamily="34" charset="0"/>
-              </a:rPr>
-              <a:t>e.g</a:t>
-            </a:r>
-            <a:r>
-              <a:rPr kumimoji="0" lang="es-CO" altLang="es-CO" sz="1800" b="0" i="0" u="none" strike="noStrike" cap="none" normalizeH="0" baseline="0" dirty="0">
-                <a:ln>
-                  <a:noFill/>
-                </a:ln>
-                <a:solidFill>
-                  <a:schemeClr val="tx1"/>
-                </a:solidFill>
-                <a:effectLst/>
-                <a:latin typeface="Arial" panose="020B0604020202020204" pitchFamily="34" charset="0"/>
-              </a:rPr>
-              <a:t>., K-</a:t>
-            </a:r>
-            <a:r>
-              <a:rPr kumimoji="0" lang="es-CO" altLang="es-CO" sz="1800" b="0" i="0" u="none" strike="noStrike" cap="none" normalizeH="0" baseline="0" dirty="0" err="1">
-                <a:ln>
-                  <a:noFill/>
-                </a:ln>
-                <a:solidFill>
-                  <a:schemeClr val="tx1"/>
-                </a:solidFill>
-                <a:effectLst/>
-                <a:latin typeface="Arial" panose="020B0604020202020204" pitchFamily="34" charset="0"/>
-              </a:rPr>
-              <a:t>means</a:t>
-            </a:r>
-            <a:r>
-              <a:rPr kumimoji="0" lang="es-CO" altLang="es-CO" sz="1800" b="0" i="0" u="none" strike="noStrike" cap="none" normalizeH="0" baseline="0" dirty="0">
-                <a:ln>
-                  <a:noFill/>
-                </a:ln>
-                <a:solidFill>
-                  <a:schemeClr val="tx1"/>
-                </a:solidFill>
-                <a:effectLst/>
-                <a:latin typeface="Arial" panose="020B0604020202020204" pitchFamily="34" charset="0"/>
-              </a:rPr>
-              <a:t>) para agrupar proyectos con riesgos éticos similares.</a:t>
-            </a:r>
-          </a:p>
-          <a:p>
-            <a:pPr marL="0" marR="0" lvl="0" indent="0" algn="l" defTabSz="914400" rtl="0" eaLnBrk="0" fontAlgn="base" latinLnBrk="0" hangingPunct="0">
-              <a:lnSpc>
-                <a:spcPct val="100000"/>
-              </a:lnSpc>
-              <a:spcBef>
-                <a:spcPct val="0"/>
-              </a:spcBef>
-              <a:spcAft>
-                <a:spcPct val="0"/>
-              </a:spcAft>
-              <a:buClrTx/>
-              <a:buSzTx/>
-              <a:buFontTx/>
-              <a:buChar char="•"/>
-              <a:tabLst/>
-            </a:pPr>
-            <a:r>
-              <a:rPr kumimoji="0" lang="es-CO" altLang="es-CO" sz="1800" b="1" i="0" u="none" strike="noStrike" cap="none" normalizeH="0" baseline="0" dirty="0">
-                <a:ln>
-                  <a:noFill/>
-                </a:ln>
-                <a:solidFill>
-                  <a:schemeClr val="tx1"/>
-                </a:solidFill>
-                <a:effectLst/>
-                <a:latin typeface="Arial" panose="020B0604020202020204" pitchFamily="34" charset="0"/>
-              </a:rPr>
-              <a:t>NLP y Deep </a:t>
-            </a:r>
-            <a:r>
-              <a:rPr kumimoji="0" lang="es-CO" altLang="es-CO" sz="1800" b="1" i="0" u="none" strike="noStrike" cap="none" normalizeH="0" baseline="0" dirty="0" err="1">
-                <a:ln>
-                  <a:noFill/>
-                </a:ln>
-                <a:solidFill>
-                  <a:schemeClr val="tx1"/>
-                </a:solidFill>
-                <a:effectLst/>
-                <a:latin typeface="Arial" panose="020B0604020202020204" pitchFamily="34" charset="0"/>
-              </a:rPr>
-              <a:t>Learning</a:t>
-            </a:r>
-            <a:r>
-              <a:rPr kumimoji="0" lang="es-CO" altLang="es-CO" sz="1800" b="0" i="0" u="none" strike="noStrike" cap="none" normalizeH="0" baseline="0" dirty="0">
-                <a:ln>
-                  <a:noFill/>
-                </a:ln>
-                <a:solidFill>
-                  <a:schemeClr val="tx1"/>
-                </a:solidFill>
-                <a:effectLst/>
-                <a:latin typeface="Arial" panose="020B0604020202020204" pitchFamily="34" charset="0"/>
-              </a:rPr>
-              <a:t>: </a:t>
+              <a:t>Modelos de clasificación como el DBSCAN para categorizar proyectos por riesgo ético (alto, medio, bajo)</a:t>
             </a:r>
           </a:p>
           <a:p>
@@ -9420,7 +9259,7 @@
                 <a:effectLst/>
                 <a:latin typeface="Arial" panose="020B0604020202020204" pitchFamily="34" charset="0"/>
               </a:rPr>
-              <a:t>Uso de modelos avanzados de lenguaje (LLM) para analizar informes extensos y extraer información relevante. </a:t>
+              <a:t>Modelos avanzados de lenguaje (LLM) para analizar informes extensos y extraer información relevante. </a:t>
             </a:r>
           </a:p>
         </p:txBody>
